--- a/database/slides/GREAT_APOSTLE_(A).pptx
+++ b/database/slides/GREAT_APOSTLE_(A).pptx
@@ -16178,7 +16178,13 @@
       </p:sp>
       <p:sp>
         <p:nvSpPr>
-          <p:cNvPr id="131" name="Google Shape;131;p25"/>
+          <p:cNvPr id="2" name="Google Shape;131;p25">
+            <a:extLst>
+              <a:ext uri="{FF2B5EF4-FFF2-40B4-BE49-F238E27FC236}">
+                <a16:creationId xmlns:a16="http://schemas.microsoft.com/office/drawing/2014/main" id="{7B91ADF5-70D9-4D37-A8B8-90AB43F40331}"/>
+              </a:ext>
+            </a:extLst>
+          </p:cNvPr>
           <p:cNvSpPr txBox="1"/>
           <p:nvPr/>
         </p:nvSpPr>
@@ -16201,11 +16207,19 @@
           </a:bodyPr>
           <a:lstStyle/>
           <a:p>
-            <a:pPr>
+            <a:pPr marL="0" lvl="0" indent="0" algn="l" rtl="0">
+              <a:spcBef>
+                <a:spcPts val="0"/>
+              </a:spcBef>
+              <a:spcAft>
+                <a:spcPts val="0"/>
+              </a:spcAft>
               <a:buClr>
                 <a:schemeClr val="lt1"/>
               </a:buClr>
               <a:buSzPts val="3200"/>
+              <a:buFont typeface="Arial"/>
+              <a:buNone/>
             </a:pPr>
             <a:r>
               <a:rPr lang="en-GB" sz="3600" b="1" i="1" dirty="0">
@@ -16219,7 +16233,7 @@
               </a:rPr>
               <a:t>contd..</a:t>
             </a:r>
-            <a:endParaRPr lang="en-GB" sz="3600" dirty="0">
+            <a:endParaRPr sz="3600" dirty="0">
               <a:latin typeface="Calibri"/>
               <a:ea typeface="Calibri"/>
               <a:cs typeface="Calibri"/>
@@ -16507,10 +16521,10 @@
       </p:sp>
       <p:sp>
         <p:nvSpPr>
-          <p:cNvPr id="131" name="Google Shape;131;p25">
+          <p:cNvPr id="2" name="Google Shape;131;p25">
             <a:extLst>
               <a:ext uri="{FF2B5EF4-FFF2-40B4-BE49-F238E27FC236}">
-                <a16:creationId xmlns:a16="http://schemas.microsoft.com/office/drawing/2014/main" id="{EB86C08B-74DE-E500-83FA-44BD46A3D048}"/>
+                <a16:creationId xmlns:a16="http://schemas.microsoft.com/office/drawing/2014/main" id="{98351B91-5CAC-F0DC-ED04-EC7211A66EF1}"/>
               </a:ext>
             </a:extLst>
           </p:cNvPr>
@@ -16536,11 +16550,19 @@
           </a:bodyPr>
           <a:lstStyle/>
           <a:p>
-            <a:pPr>
+            <a:pPr marL="0" lvl="0" indent="0" algn="l" rtl="0">
+              <a:spcBef>
+                <a:spcPts val="0"/>
+              </a:spcBef>
+              <a:spcAft>
+                <a:spcPts val="0"/>
+              </a:spcAft>
               <a:buClr>
                 <a:schemeClr val="lt1"/>
               </a:buClr>
               <a:buSzPts val="3200"/>
+              <a:buFont typeface="Arial"/>
+              <a:buNone/>
             </a:pPr>
             <a:r>
               <a:rPr lang="en-GB" sz="3600" b="1" i="1" dirty="0">
@@ -16554,7 +16576,7 @@
               </a:rPr>
               <a:t>contd..</a:t>
             </a:r>
-            <a:endParaRPr lang="en-GB" sz="3600" dirty="0">
+            <a:endParaRPr sz="3600" dirty="0">
               <a:latin typeface="Calibri"/>
               <a:ea typeface="Calibri"/>
               <a:cs typeface="Calibri"/>
@@ -16842,10 +16864,10 @@
       </p:sp>
       <p:sp>
         <p:nvSpPr>
-          <p:cNvPr id="131" name="Google Shape;131;p25">
+          <p:cNvPr id="2" name="Google Shape;131;p25">
             <a:extLst>
               <a:ext uri="{FF2B5EF4-FFF2-40B4-BE49-F238E27FC236}">
-                <a16:creationId xmlns:a16="http://schemas.microsoft.com/office/drawing/2014/main" id="{E9AABEBA-F262-3F8F-318C-1E4474095E2C}"/>
+                <a16:creationId xmlns:a16="http://schemas.microsoft.com/office/drawing/2014/main" id="{E4EDD9E6-1BF0-668C-7FD8-7A6AA6A6524E}"/>
               </a:ext>
             </a:extLst>
           </p:cNvPr>
@@ -16871,11 +16893,19 @@
           </a:bodyPr>
           <a:lstStyle/>
           <a:p>
-            <a:pPr>
+            <a:pPr marL="0" lvl="0" indent="0" algn="l" rtl="0">
+              <a:spcBef>
+                <a:spcPts val="0"/>
+              </a:spcBef>
+              <a:spcAft>
+                <a:spcPts val="0"/>
+              </a:spcAft>
               <a:buClr>
                 <a:schemeClr val="lt1"/>
               </a:buClr>
               <a:buSzPts val="3200"/>
+              <a:buFont typeface="Arial"/>
+              <a:buNone/>
             </a:pPr>
             <a:r>
               <a:rPr lang="en-GB" sz="3600" b="1" i="1" dirty="0">
@@ -16889,7 +16919,7 @@
               </a:rPr>
               <a:t>contd..</a:t>
             </a:r>
-            <a:endParaRPr lang="en-GB" sz="3600" dirty="0">
+            <a:endParaRPr sz="3600" dirty="0">
               <a:latin typeface="Calibri"/>
               <a:ea typeface="Calibri"/>
               <a:cs typeface="Calibri"/>
@@ -17177,10 +17207,10 @@
       </p:sp>
       <p:sp>
         <p:nvSpPr>
-          <p:cNvPr id="131" name="Google Shape;131;p25">
+          <p:cNvPr id="2" name="Google Shape;131;p25">
             <a:extLst>
               <a:ext uri="{FF2B5EF4-FFF2-40B4-BE49-F238E27FC236}">
-                <a16:creationId xmlns:a16="http://schemas.microsoft.com/office/drawing/2014/main" id="{7032704F-AB32-4802-3C93-6738DFC82BCA}"/>
+                <a16:creationId xmlns:a16="http://schemas.microsoft.com/office/drawing/2014/main" id="{3CFC5454-64B8-5221-1704-17E15647DB29}"/>
               </a:ext>
             </a:extLst>
           </p:cNvPr>
@@ -17206,11 +17236,19 @@
           </a:bodyPr>
           <a:lstStyle/>
           <a:p>
-            <a:pPr>
+            <a:pPr marL="0" lvl="0" indent="0" algn="l" rtl="0">
+              <a:spcBef>
+                <a:spcPts val="0"/>
+              </a:spcBef>
+              <a:spcAft>
+                <a:spcPts val="0"/>
+              </a:spcAft>
               <a:buClr>
                 <a:schemeClr val="lt1"/>
               </a:buClr>
               <a:buSzPts val="3200"/>
+              <a:buFont typeface="Arial"/>
+              <a:buNone/>
             </a:pPr>
             <a:r>
               <a:rPr lang="en-GB" sz="3600" b="1" i="1" dirty="0">
@@ -17224,7 +17262,7 @@
               </a:rPr>
               <a:t>contd..</a:t>
             </a:r>
-            <a:endParaRPr lang="en-GB" sz="3600" dirty="0">
+            <a:endParaRPr sz="3600" dirty="0">
               <a:latin typeface="Calibri"/>
               <a:ea typeface="Calibri"/>
               <a:cs typeface="Calibri"/>
